--- a/구글스프레드시트유니티연동(값받아오기)/정리.pptx
+++ b/구글스프레드시트유니티연동(값받아오기)/정리.pptx
@@ -3549,7 +3549,7 @@
         <p:spPr>
           <a:xfrm>
             <a:off x="3577106" y="1162441"/>
-            <a:ext cx="5591595" cy="1477328"/>
+            <a:ext cx="5873596" cy="1477328"/>
           </a:xfrm>
           <a:prstGeom prst="rect">
             <a:avLst/>
@@ -3562,31 +3562,18 @@
           <a:lstStyle/>
           <a:p>
             <a:r>
-              <a:rPr lang="en-US" altLang="ko-KR" b="0" i="0" u="none" strike="noStrike" dirty="0" smtClean="0">
-                <a:solidFill>
-                  <a:srgbClr val="0CA678"/>
-                </a:solidFill>
-                <a:effectLst/>
-                <a:latin typeface="-apple-system"/>
+              <a:rPr lang="en-US" altLang="ko-KR" dirty="0">
                 <a:hlinkClick r:id="rId2"/>
               </a:rPr>
-              <a:t>https://jacking75.github.io/unity_nuget/</a:t>
-            </a:r>
-            <a:endParaRPr lang="en-US" altLang="ko-KR" b="0" i="0" u="none" strike="noStrike" dirty="0" smtClean="0">
-              <a:solidFill>
-                <a:srgbClr val="0CA678"/>
-              </a:solidFill>
-              <a:effectLst/>
-              <a:latin typeface="-apple-system"/>
-            </a:endParaRPr>
-          </a:p>
-          <a:p>
-            <a:endParaRPr lang="en-US" altLang="ko-KR" dirty="0">
-              <a:solidFill>
-                <a:srgbClr val="0CA678"/>
-              </a:solidFill>
-              <a:latin typeface="-apple-system"/>
-            </a:endParaRPr>
+              <a:t>https://</a:t>
+            </a:r>
+            <a:r>
+              <a:rPr lang="en-US" altLang="ko-KR" dirty="0" smtClean="0">
+                <a:hlinkClick r:id="rId2"/>
+              </a:rPr>
+              <a:t>github.com/GlitchEnzo/NuGetForUnity/releases</a:t>
+            </a:r>
+            <a:endParaRPr lang="en-US" altLang="ko-KR" dirty="0" smtClean="0"/>
           </a:p>
           <a:p>
             <a:endParaRPr lang="en-US" altLang="ko-KR" dirty="0" smtClean="0">
@@ -3597,6 +3584,14 @@
             </a:endParaRPr>
           </a:p>
           <a:p>
+            <a:endParaRPr lang="en-US" altLang="ko-KR" dirty="0" smtClean="0">
+              <a:solidFill>
+                <a:srgbClr val="0CA678"/>
+              </a:solidFill>
+              <a:latin typeface="-apple-system"/>
+            </a:endParaRPr>
+          </a:p>
+          <a:p>
             <a:r>
               <a:rPr lang="ko-KR" altLang="en-US" dirty="0" smtClean="0">
                 <a:solidFill>
@@ -3604,7 +3599,16 @@
                 </a:solidFill>
                 <a:latin typeface="-apple-system"/>
               </a:rPr>
-              <a:t>위 링크에서 받은 </a:t>
+              <a:t>위 </a:t>
+            </a:r>
+            <a:r>
+              <a:rPr lang="ko-KR" altLang="en-US" dirty="0" smtClean="0">
+                <a:solidFill>
+                  <a:srgbClr val="0CA678"/>
+                </a:solidFill>
+                <a:latin typeface="-apple-system"/>
+              </a:rPr>
+              <a:t>링크에서 받은 </a:t>
             </a:r>
             <a:r>
               <a:rPr lang="en-US" altLang="ko-KR" dirty="0" err="1" smtClean="0">
